--- a/Mignot/Diapos/S5 - diapo DECA2.pptx
+++ b/Mignot/Diapos/S5 - diapo DECA2.pptx
@@ -290,7 +290,7 @@
               <a:pPr>
                 <a:defRPr/>
               </a:pPr>
-              <a:t>12/02/2024</a:t>
+              <a:t>03/02/2025</a:t>
             </a:fld>
             <a:endParaRPr lang="fr-FR"/>
           </a:p>
@@ -525,7 +525,7 @@
               <a:pPr>
                 <a:defRPr/>
               </a:pPr>
-              <a:t>12/02/2024</a:t>
+              <a:t>03/02/2025</a:t>
             </a:fld>
             <a:endParaRPr lang="fr-FR"/>
           </a:p>
@@ -9422,16 +9422,10 @@
               <a:t>lorsque la distribution se modifie : </a:t>
             </a:r>
             <a:r>
-              <a:rPr lang="fr-FR" sz="1800" dirty="0" err="1">
-                <a:hlinkClick r:id="rId2"/>
-              </a:rPr>
-              <a:t>Understanding</a:t>
-            </a:r>
-            <a:r>
               <a:rPr lang="fr-FR" sz="1800" dirty="0">
                 <a:hlinkClick r:id="rId2"/>
               </a:rPr>
-              <a:t> </a:t>
+              <a:t>Understanding </a:t>
             </a:r>
             <a:r>
               <a:rPr lang="fr-FR" sz="1800" dirty="0" err="1">
@@ -12897,8 +12891,8 @@
           <a:chExt cx="0" cy="0"/>
         </a:xfrm>
       </p:grpSpPr>
-      <mc:AlternateContent xmlns:mc="http://schemas.openxmlformats.org/markup-compatibility/2006" xmlns:a14="http://schemas.microsoft.com/office/drawing/2010/main">
-        <mc:Choice Requires="a14">
+      <mc:AlternateContent xmlns:mc="http://schemas.openxmlformats.org/markup-compatibility/2006">
+        <mc:Choice xmlns:a14="http://schemas.microsoft.com/office/drawing/2010/main" Requires="a14">
           <p:sp>
             <p:nvSpPr>
               <p:cNvPr id="2" name="Espace réservé du contenu 1">
@@ -12966,7 +12960,7 @@
                 </a:r>
                 <a:r>
                   <a:rPr lang="fr-FR" b="1" dirty="0"/>
-                  <a:t>axe de abscisses </a:t>
+                  <a:t>axe des abscisses </a:t>
                 </a:r>
                 <a:r>
                   <a:rPr lang="fr-FR" dirty="0"/>
@@ -13094,7 +13088,7 @@
             </p:txBody>
           </p:sp>
         </mc:Choice>
-        <mc:Fallback xmlns="">
+        <mc:Fallback>
           <p:sp>
             <p:nvSpPr>
               <p:cNvPr id="2" name="Espace réservé du contenu 1">
@@ -13119,7 +13113,7 @@
               <a:blipFill>
                 <a:blip r:embed="rId2"/>
                 <a:stretch>
-                  <a:fillRect l="-667" t="-1515"/>
+                  <a:fillRect l="-631" t="-1572"/>
                 </a:stretch>
               </a:blipFill>
             </p:spPr>
